--- a/Lectures/5 - Assessing Conditions.pptx
+++ b/Lectures/5 - Assessing Conditions.pptx
@@ -4461,7 +4461,7 @@
               <a:t>hw</a:t>
             </a:r>
             <a:r>
-              <a:rPr lang="en-US" sz="2000" b="0" dirty="0">
+              <a:rPr lang="en-US" sz="2000" b="0">
                 <a:solidFill>
                   <a:srgbClr val="660066"/>
                 </a:solidFill>
@@ -4470,8 +4470,17 @@
                 <a:ea typeface="+mn-ea"/>
                 <a:cs typeface="+mn-cs"/>
               </a:rPr>
-              <a:t> 2</a:t>
-            </a:r>
+              <a:t> 3</a:t>
+            </a:r>
+            <a:endParaRPr lang="en-US" sz="2000" b="0" dirty="0">
+              <a:solidFill>
+                <a:srgbClr val="660066"/>
+              </a:solidFill>
+              <a:effectLst/>
+              <a:latin typeface="+mn-lt"/>
+              <a:ea typeface="+mn-ea"/>
+              <a:cs typeface="+mn-cs"/>
+            </a:endParaRPr>
           </a:p>
           <a:p>
             <a:pPr algn="l">

--- a/Lectures/5 - Assessing Conditions.pptx
+++ b/Lectures/5 - Assessing Conditions.pptx
@@ -4470,7 +4470,7 @@
                 <a:ea typeface="+mn-ea"/>
                 <a:cs typeface="+mn-cs"/>
               </a:rPr>
-              <a:t> 3</a:t>
+              <a:t> 4</a:t>
             </a:r>
             <a:endParaRPr lang="en-US" sz="2000" b="0" dirty="0">
               <a:solidFill>
